--- a/PCS24-6-Hanu/Presentation - Smart Care.pptx
+++ b/PCS24-6-Hanu/Presentation - Smart Care.pptx
@@ -5,7 +5,7 @@
     <p:sldMasterId id="2147483648" r:id="rId1"/>
   </p:sldMasterIdLst>
   <p:notesMasterIdLst>
-    <p:notesMasterId r:id="rId20"/>
+    <p:notesMasterId r:id="rId18"/>
   </p:notesMasterIdLst>
   <p:sldIdLst>
     <p:sldId id="256" r:id="rId2"/>
@@ -18,14 +18,12 @@
     <p:sldId id="261" r:id="rId9"/>
     <p:sldId id="267" r:id="rId10"/>
     <p:sldId id="268" r:id="rId11"/>
-    <p:sldId id="273" r:id="rId12"/>
-    <p:sldId id="274" r:id="rId13"/>
-    <p:sldId id="272" r:id="rId14"/>
-    <p:sldId id="269" r:id="rId15"/>
-    <p:sldId id="270" r:id="rId16"/>
-    <p:sldId id="262" r:id="rId17"/>
-    <p:sldId id="263" r:id="rId18"/>
-    <p:sldId id="265" r:id="rId19"/>
+    <p:sldId id="272" r:id="rId12"/>
+    <p:sldId id="269" r:id="rId13"/>
+    <p:sldId id="270" r:id="rId14"/>
+    <p:sldId id="262" r:id="rId15"/>
+    <p:sldId id="263" r:id="rId16"/>
+    <p:sldId id="265" r:id="rId17"/>
   </p:sldIdLst>
   <p:sldSz cx="12192000" cy="6858000"/>
   <p:notesSz cx="6858000" cy="9144000"/>
@@ -214,7 +212,7 @@
           <a:p>
             <a:fld id="{E13B6DE8-89EB-4910-BE6E-A1D1FF0DA414}" type="datetimeFigureOut">
               <a:rPr lang="en-IN" smtClean="0"/>
-              <a:t>04-11-2023</a:t>
+              <a:t>29-10-2023</a:t>
             </a:fld>
             <a:endParaRPr lang="en-IN"/>
           </a:p>
@@ -631,7 +629,7 @@
           <a:p>
             <a:fld id="{AED75D64-2596-4CD3-88B1-63A1A557245C}" type="datetimeFigureOut">
               <a:rPr lang="en-IN" smtClean="0"/>
-              <a:t>04-11-2023</a:t>
+              <a:t>29-10-2023</a:t>
             </a:fld>
             <a:endParaRPr lang="en-IN"/>
           </a:p>
@@ -831,7 +829,7 @@
           <a:p>
             <a:fld id="{AED75D64-2596-4CD3-88B1-63A1A557245C}" type="datetimeFigureOut">
               <a:rPr lang="en-IN" smtClean="0"/>
-              <a:t>04-11-2023</a:t>
+              <a:t>29-10-2023</a:t>
             </a:fld>
             <a:endParaRPr lang="en-IN"/>
           </a:p>
@@ -1041,7 +1039,7 @@
           <a:p>
             <a:fld id="{AED75D64-2596-4CD3-88B1-63A1A557245C}" type="datetimeFigureOut">
               <a:rPr lang="en-IN" smtClean="0"/>
-              <a:t>04-11-2023</a:t>
+              <a:t>29-10-2023</a:t>
             </a:fld>
             <a:endParaRPr lang="en-IN"/>
           </a:p>
@@ -1241,7 +1239,7 @@
           <a:p>
             <a:fld id="{AED75D64-2596-4CD3-88B1-63A1A557245C}" type="datetimeFigureOut">
               <a:rPr lang="en-IN" smtClean="0"/>
-              <a:t>04-11-2023</a:t>
+              <a:t>29-10-2023</a:t>
             </a:fld>
             <a:endParaRPr lang="en-IN"/>
           </a:p>
@@ -1517,7 +1515,7 @@
           <a:p>
             <a:fld id="{AED75D64-2596-4CD3-88B1-63A1A557245C}" type="datetimeFigureOut">
               <a:rPr lang="en-IN" smtClean="0"/>
-              <a:t>04-11-2023</a:t>
+              <a:t>29-10-2023</a:t>
             </a:fld>
             <a:endParaRPr lang="en-IN"/>
           </a:p>
@@ -1785,7 +1783,7 @@
           <a:p>
             <a:fld id="{AED75D64-2596-4CD3-88B1-63A1A557245C}" type="datetimeFigureOut">
               <a:rPr lang="en-IN" smtClean="0"/>
-              <a:t>04-11-2023</a:t>
+              <a:t>29-10-2023</a:t>
             </a:fld>
             <a:endParaRPr lang="en-IN"/>
           </a:p>
@@ -2200,7 +2198,7 @@
           <a:p>
             <a:fld id="{AED75D64-2596-4CD3-88B1-63A1A557245C}" type="datetimeFigureOut">
               <a:rPr lang="en-IN" smtClean="0"/>
-              <a:t>04-11-2023</a:t>
+              <a:t>29-10-2023</a:t>
             </a:fld>
             <a:endParaRPr lang="en-IN"/>
           </a:p>
@@ -2342,7 +2340,7 @@
           <a:p>
             <a:fld id="{AED75D64-2596-4CD3-88B1-63A1A557245C}" type="datetimeFigureOut">
               <a:rPr lang="en-IN" smtClean="0"/>
-              <a:t>04-11-2023</a:t>
+              <a:t>29-10-2023</a:t>
             </a:fld>
             <a:endParaRPr lang="en-IN"/>
           </a:p>
@@ -2455,7 +2453,7 @@
           <a:p>
             <a:fld id="{AED75D64-2596-4CD3-88B1-63A1A557245C}" type="datetimeFigureOut">
               <a:rPr lang="en-IN" smtClean="0"/>
-              <a:t>04-11-2023</a:t>
+              <a:t>29-10-2023</a:t>
             </a:fld>
             <a:endParaRPr lang="en-IN"/>
           </a:p>
@@ -2768,7 +2766,7 @@
           <a:p>
             <a:fld id="{AED75D64-2596-4CD3-88B1-63A1A557245C}" type="datetimeFigureOut">
               <a:rPr lang="en-IN" smtClean="0"/>
-              <a:t>04-11-2023</a:t>
+              <a:t>29-10-2023</a:t>
             </a:fld>
             <a:endParaRPr lang="en-IN"/>
           </a:p>
@@ -3057,7 +3055,7 @@
           <a:p>
             <a:fld id="{AED75D64-2596-4CD3-88B1-63A1A557245C}" type="datetimeFigureOut">
               <a:rPr lang="en-IN" smtClean="0"/>
-              <a:t>04-11-2023</a:t>
+              <a:t>29-10-2023</a:t>
             </a:fld>
             <a:endParaRPr lang="en-IN"/>
           </a:p>
@@ -3300,7 +3298,7 @@
           <a:p>
             <a:fld id="{AED75D64-2596-4CD3-88B1-63A1A557245C}" type="datetimeFigureOut">
               <a:rPr lang="en-IN" smtClean="0"/>
-              <a:t>04-11-2023</a:t>
+              <a:t>29-10-2023</a:t>
             </a:fld>
             <a:endParaRPr lang="en-IN"/>
           </a:p>
@@ -3918,7 +3916,7 @@
                 <a:latin typeface="Times New Roman" panose="02020603050405020304" pitchFamily="18" charset="0"/>
                 <a:cs typeface="Times New Roman" panose="02020603050405020304" pitchFamily="18" charset="0"/>
               </a:rPr>
-              <a:t>                                                                                           Khushi (2100290129005-C) </a:t>
+              <a:t>                                                                                           Khushi (2000290129005-C) </a:t>
             </a:r>
           </a:p>
           <a:p>
@@ -4295,41 +4293,73 @@
           <a:chExt cx="0" cy="0"/>
         </a:xfrm>
       </p:grpSpPr>
-      <p:pic>
-        <p:nvPicPr>
-          <p:cNvPr id="4" name="Content Placeholder 3">
-            <a:extLst>
-              <a:ext uri="{FF2B5EF4-FFF2-40B4-BE49-F238E27FC236}">
-                <a16:creationId xmlns:a16="http://schemas.microsoft.com/office/drawing/2014/main" id="{F9D69B62-6152-D462-41B8-99D6A35EDA28}"/>
-              </a:ext>
-            </a:extLst>
-          </p:cNvPr>
-          <p:cNvPicPr>
-            <a:picLocks noGrp="1" noChangeAspect="1"/>
-          </p:cNvPicPr>
+      <p:sp>
+        <p:nvSpPr>
+          <p:cNvPr id="3" name="Content Placeholder 2">
+            <a:extLst>
+              <a:ext uri="{FF2B5EF4-FFF2-40B4-BE49-F238E27FC236}">
+                <a16:creationId xmlns:a16="http://schemas.microsoft.com/office/drawing/2014/main" id="{89E4C8AB-C800-CB18-BAD8-884DEB3C92D4}"/>
+              </a:ext>
+            </a:extLst>
+          </p:cNvPr>
+          <p:cNvSpPr>
+            <a:spLocks noGrp="1"/>
+          </p:cNvSpPr>
           <p:nvPr>
             <p:ph idx="1"/>
           </p:nvPr>
-        </p:nvPicPr>
-        <p:blipFill>
-          <a:blip r:embed="rId2">
-            <a:extLst>
-              <a:ext uri="{28A0092B-C50C-407E-A947-70E740481C1C}">
-                <a14:useLocalDpi xmlns:a14="http://schemas.microsoft.com/office/drawing/2010/main" val="0"/>
-              </a:ext>
-            </a:extLst>
-          </a:blip>
-          <a:stretch>
-            <a:fillRect/>
-          </a:stretch>
-        </p:blipFill>
-        <p:spPr>
-          <a:xfrm>
-            <a:off x="2597202" y="1414659"/>
-            <a:ext cx="6689370" cy="4351338"/>
-          </a:xfrm>
-        </p:spPr>
-      </p:pic>
+        </p:nvSpPr>
+        <p:spPr/>
+        <p:txBody>
+          <a:bodyPr>
+            <a:normAutofit/>
+          </a:bodyPr>
+          <a:lstStyle/>
+          <a:p>
+            <a:r>
+              <a:rPr lang="en-IN" sz="6000" b="1" dirty="0">
+                <a:solidFill>
+                  <a:srgbClr val="C00000"/>
+                </a:solidFill>
+              </a:rPr>
+              <a:t>COMMENTS</a:t>
+            </a:r>
+          </a:p>
+          <a:p>
+            <a:pPr lvl="1"/>
+            <a:r>
+              <a:rPr lang="en-IN" sz="5400" dirty="0">
+                <a:solidFill>
+                  <a:srgbClr val="C00000"/>
+                </a:solidFill>
+              </a:rPr>
+              <a:t>This DFD must be  module wise</a:t>
+            </a:r>
+          </a:p>
+          <a:p>
+            <a:pPr lvl="1"/>
+            <a:r>
+              <a:rPr lang="en-IN" sz="5400" dirty="0">
+                <a:solidFill>
+                  <a:srgbClr val="C00000"/>
+                </a:solidFill>
+              </a:rPr>
+              <a:t>IF you want to add… add the module wise DFD</a:t>
+            </a:r>
+          </a:p>
+          <a:p>
+            <a:pPr lvl="1"/>
+            <a:r>
+              <a:rPr lang="en-IN" sz="5400" dirty="0">
+                <a:solidFill>
+                  <a:srgbClr val="C00000"/>
+                </a:solidFill>
+              </a:rPr>
+              <a:t>Means three module wise</a:t>
+            </a:r>
+          </a:p>
+        </p:txBody>
+      </p:sp>
       <p:sp>
         <p:nvSpPr>
           <p:cNvPr id="8" name="TextBox 7">
@@ -4404,7 +4434,7 @@
           <p:cNvPr id="4" name="Content Placeholder 3">
             <a:extLst>
               <a:ext uri="{FF2B5EF4-FFF2-40B4-BE49-F238E27FC236}">
-                <a16:creationId xmlns:a16="http://schemas.microsoft.com/office/drawing/2014/main" id="{F9D69B62-6152-D462-41B8-99D6A35EDA28}"/>
+                <a16:creationId xmlns:a16="http://schemas.microsoft.com/office/drawing/2014/main" id="{242E6F88-98B7-6B98-4D55-B9453C1CB4B0}"/>
               </a:ext>
             </a:extLst>
           </p:cNvPr>
@@ -4415,7 +4445,7 @@
             <p:ph idx="1"/>
           </p:nvPr>
         </p:nvPicPr>
-        <p:blipFill>
+        <p:blipFill rotWithShape="1">
           <a:blip r:embed="rId2">
             <a:extLst>
               <a:ext uri="{28A0092B-C50C-407E-A947-70E740481C1C}">
@@ -4423,33 +4453,44 @@
               </a:ext>
             </a:extLst>
           </a:blip>
-          <a:stretch>
-            <a:fillRect/>
-          </a:stretch>
+          <a:srcRect t="-1548" r="24551" b="77468"/>
+          <a:stretch/>
         </p:blipFill>
+        <p:spPr bwMode="auto">
+          <a:xfrm>
+            <a:off x="1603764" y="677580"/>
+            <a:ext cx="10032714" cy="5531142"/>
+          </a:xfrm>
+          <a:prstGeom prst="rect">
+            <a:avLst/>
+          </a:prstGeom>
+          <a:noFill/>
+          <a:ln>
+            <a:noFill/>
+          </a:ln>
+          <a:extLst>
+            <a:ext uri="{53640926-AAD7-44D8-BBD7-CCE9431645EC}">
+              <a14:shadowObscured xmlns:a14="http://schemas.microsoft.com/office/drawing/2010/main"/>
+            </a:ext>
+          </a:extLst>
+        </p:spPr>
+      </p:pic>
+      <p:sp>
+        <p:nvSpPr>
+          <p:cNvPr id="5" name="TextBox 4">
+            <a:extLst>
+              <a:ext uri="{FF2B5EF4-FFF2-40B4-BE49-F238E27FC236}">
+                <a16:creationId xmlns:a16="http://schemas.microsoft.com/office/drawing/2014/main" id="{9CFAD112-CBAD-8ECC-8942-AAA327C36FD2}"/>
+              </a:ext>
+            </a:extLst>
+          </p:cNvPr>
+          <p:cNvSpPr txBox="1"/>
+          <p:nvPr/>
+        </p:nvSpPr>
         <p:spPr>
           <a:xfrm>
-            <a:off x="2597202" y="1414659"/>
-            <a:ext cx="6689370" cy="4351338"/>
-          </a:xfrm>
-        </p:spPr>
-      </p:pic>
-      <p:sp>
-        <p:nvSpPr>
-          <p:cNvPr id="8" name="TextBox 7">
-            <a:extLst>
-              <a:ext uri="{FF2B5EF4-FFF2-40B4-BE49-F238E27FC236}">
-                <a16:creationId xmlns:a16="http://schemas.microsoft.com/office/drawing/2014/main" id="{77079A53-7734-1AE5-343C-90E37DE7CA7C}"/>
-              </a:ext>
-            </a:extLst>
-          </p:cNvPr>
-          <p:cNvSpPr txBox="1"/>
-          <p:nvPr/>
-        </p:nvSpPr>
-        <p:spPr>
-          <a:xfrm>
-            <a:off x="-678427" y="14748"/>
-            <a:ext cx="10071002" cy="769441"/>
+            <a:off x="27397" y="102742"/>
+            <a:ext cx="3198688" cy="523220"/>
           </a:xfrm>
           <a:prstGeom prst="rect">
             <a:avLst/>
@@ -4462,57 +4503,58 @@
           </a:bodyPr>
           <a:lstStyle/>
           <a:p>
-            <a:pPr algn="ctr"/>
-            <a:r>
-              <a:rPr lang="en-IN" sz="4400" dirty="0">
-                <a:latin typeface="Times New Roman" panose="02020603050405020304" pitchFamily="18" charset="0"/>
-                <a:cs typeface="Times New Roman" panose="02020603050405020304" pitchFamily="18" charset="0"/>
-              </a:rPr>
-              <a:t>Work Flow: DFD Level 2 (Doctors)</a:t>
-            </a:r>
-          </a:p>
-        </p:txBody>
-      </p:sp>
-      <p:pic>
-        <p:nvPicPr>
-          <p:cNvPr id="3" name="Picture 2">
-            <a:extLst>
-              <a:ext uri="{FF2B5EF4-FFF2-40B4-BE49-F238E27FC236}">
-                <a16:creationId xmlns:a16="http://schemas.microsoft.com/office/drawing/2014/main" id="{BB416E06-5912-E692-7DA5-E873A877182F}"/>
-              </a:ext>
-            </a:extLst>
-          </p:cNvPr>
-          <p:cNvPicPr>
-            <a:picLocks noChangeAspect="1"/>
-          </p:cNvPicPr>
+            <a:r>
+              <a:rPr lang="en-IN" sz="2800" dirty="0">
+                <a:latin typeface="Times New Roman" panose="02020603050405020304" pitchFamily="18" charset="0"/>
+                <a:cs typeface="Times New Roman" panose="02020603050405020304" pitchFamily="18" charset="0"/>
+              </a:rPr>
+              <a:t>Use Case Diagram</a:t>
+            </a:r>
+          </a:p>
+        </p:txBody>
+      </p:sp>
+      <p:sp>
+        <p:nvSpPr>
+          <p:cNvPr id="2" name="TextBox 1">
+            <a:extLst>
+              <a:ext uri="{FF2B5EF4-FFF2-40B4-BE49-F238E27FC236}">
+                <a16:creationId xmlns:a16="http://schemas.microsoft.com/office/drawing/2014/main" id="{B8E33CDA-25BA-00DB-FE35-5D78DC3D07A4}"/>
+              </a:ext>
+            </a:extLst>
+          </p:cNvPr>
+          <p:cNvSpPr txBox="1"/>
           <p:nvPr/>
-        </p:nvPicPr>
-        <p:blipFill>
-          <a:blip r:embed="rId3">
-            <a:extLst>
-              <a:ext uri="{28A0092B-C50C-407E-A947-70E740481C1C}">
-                <a14:useLocalDpi xmlns:a14="http://schemas.microsoft.com/office/drawing/2010/main" val="0"/>
-              </a:ext>
-            </a:extLst>
-          </a:blip>
-          <a:stretch>
-            <a:fillRect/>
-          </a:stretch>
-        </p:blipFill>
+        </p:nvSpPr>
         <p:spPr>
-          <a:xfrm>
-            <a:off x="688368" y="1009810"/>
-            <a:ext cx="10561834" cy="5617022"/>
+          <a:xfrm flipH="1">
+            <a:off x="1859775" y="6113739"/>
+            <a:ext cx="3012113" cy="369332"/>
           </a:xfrm>
           <a:prstGeom prst="rect">
             <a:avLst/>
           </a:prstGeom>
+          <a:noFill/>
         </p:spPr>
-      </p:pic>
+        <p:txBody>
+          <a:bodyPr wrap="square" rtlCol="0">
+            <a:spAutoFit/>
+          </a:bodyPr>
+          <a:lstStyle/>
+          <a:p>
+            <a:r>
+              <a:rPr lang="en-US" u="sng" dirty="0">
+                <a:latin typeface="Times New Roman" panose="02020603050405020304" pitchFamily="18" charset="0"/>
+                <a:cs typeface="Times New Roman" panose="02020603050405020304" pitchFamily="18" charset="0"/>
+              </a:rPr>
+              <a:t>Continue in page 2</a:t>
+            </a:r>
+          </a:p>
+        </p:txBody>
+      </p:sp>
     </p:spTree>
     <p:extLst>
       <p:ext uri="{BB962C8B-B14F-4D97-AF65-F5344CB8AC3E}">
-        <p14:creationId xmlns:p14="http://schemas.microsoft.com/office/powerpoint/2010/main" val="1268513473"/>
+        <p14:creationId xmlns:p14="http://schemas.microsoft.com/office/powerpoint/2010/main" val="883017184"/>
       </p:ext>
     </p:extLst>
   </p:cSld>
@@ -4544,7 +4586,7 @@
           <p:cNvPr id="4" name="Content Placeholder 3">
             <a:extLst>
               <a:ext uri="{FF2B5EF4-FFF2-40B4-BE49-F238E27FC236}">
-                <a16:creationId xmlns:a16="http://schemas.microsoft.com/office/drawing/2014/main" id="{F9D69B62-6152-D462-41B8-99D6A35EDA28}"/>
+                <a16:creationId xmlns:a16="http://schemas.microsoft.com/office/drawing/2014/main" id="{242E6F88-98B7-6B98-4D55-B9453C1CB4B0}"/>
               </a:ext>
             </a:extLst>
           </p:cNvPr>
@@ -4555,7 +4597,7 @@
             <p:ph idx="1"/>
           </p:nvPr>
         </p:nvPicPr>
-        <p:blipFill>
+        <p:blipFill rotWithShape="1">
           <a:blip r:embed="rId2">
             <a:extLst>
               <a:ext uri="{28A0092B-C50C-407E-A947-70E740481C1C}">
@@ -4563,33 +4605,44 @@
               </a:ext>
             </a:extLst>
           </a:blip>
-          <a:stretch>
-            <a:fillRect/>
-          </a:stretch>
+          <a:srcRect l="11750" t="22970" r="24552" b="34717"/>
+          <a:stretch/>
         </p:blipFill>
+        <p:spPr bwMode="auto">
+          <a:xfrm>
+            <a:off x="3008669" y="73743"/>
+            <a:ext cx="8981767" cy="6637269"/>
+          </a:xfrm>
+          <a:prstGeom prst="rect">
+            <a:avLst/>
+          </a:prstGeom>
+          <a:noFill/>
+          <a:ln>
+            <a:noFill/>
+          </a:ln>
+          <a:extLst>
+            <a:ext uri="{53640926-AAD7-44D8-BBD7-CCE9431645EC}">
+              <a14:shadowObscured xmlns:a14="http://schemas.microsoft.com/office/drawing/2010/main"/>
+            </a:ext>
+          </a:extLst>
+        </p:spPr>
+      </p:pic>
+      <p:sp>
+        <p:nvSpPr>
+          <p:cNvPr id="5" name="TextBox 4">
+            <a:extLst>
+              <a:ext uri="{FF2B5EF4-FFF2-40B4-BE49-F238E27FC236}">
+                <a16:creationId xmlns:a16="http://schemas.microsoft.com/office/drawing/2014/main" id="{9CFAD112-CBAD-8ECC-8942-AAA327C36FD2}"/>
+              </a:ext>
+            </a:extLst>
+          </p:cNvPr>
+          <p:cNvSpPr txBox="1"/>
+          <p:nvPr/>
+        </p:nvSpPr>
         <p:spPr>
           <a:xfrm>
-            <a:off x="2597202" y="1414659"/>
-            <a:ext cx="6689370" cy="4351338"/>
-          </a:xfrm>
-        </p:spPr>
-      </p:pic>
-      <p:sp>
-        <p:nvSpPr>
-          <p:cNvPr id="8" name="TextBox 7">
-            <a:extLst>
-              <a:ext uri="{FF2B5EF4-FFF2-40B4-BE49-F238E27FC236}">
-                <a16:creationId xmlns:a16="http://schemas.microsoft.com/office/drawing/2014/main" id="{77079A53-7734-1AE5-343C-90E37DE7CA7C}"/>
-              </a:ext>
-            </a:extLst>
-          </p:cNvPr>
-          <p:cNvSpPr txBox="1"/>
-          <p:nvPr/>
-        </p:nvSpPr>
-        <p:spPr>
-          <a:xfrm>
-            <a:off x="-678427" y="14748"/>
-            <a:ext cx="9538342" cy="769441"/>
+            <a:off x="27397" y="102742"/>
+            <a:ext cx="3198688" cy="1754326"/>
           </a:xfrm>
           <a:prstGeom prst="rect">
             <a:avLst/>
@@ -4604,55 +4657,81 @@
           <a:p>
             <a:pPr algn="ctr"/>
             <a:r>
-              <a:rPr lang="en-IN" sz="4400" dirty="0">
-                <a:latin typeface="Times New Roman" panose="02020603050405020304" pitchFamily="18" charset="0"/>
-                <a:cs typeface="Times New Roman" panose="02020603050405020304" pitchFamily="18" charset="0"/>
-              </a:rPr>
-              <a:t>Work Flow: DFD Level 2 (Patient)</a:t>
-            </a:r>
-          </a:p>
-        </p:txBody>
-      </p:sp>
-      <p:pic>
-        <p:nvPicPr>
-          <p:cNvPr id="3" name="Picture 2">
-            <a:extLst>
-              <a:ext uri="{FF2B5EF4-FFF2-40B4-BE49-F238E27FC236}">
-                <a16:creationId xmlns:a16="http://schemas.microsoft.com/office/drawing/2014/main" id="{F2404113-4E1A-8B7F-350D-92BA962D2792}"/>
-              </a:ext>
-            </a:extLst>
-          </p:cNvPr>
-          <p:cNvPicPr>
-            <a:picLocks noChangeAspect="1"/>
-          </p:cNvPicPr>
+              <a:rPr lang="en-IN" sz="4000" b="1" dirty="0">
+                <a:latin typeface="Times New Roman" panose="02020603050405020304" pitchFamily="18" charset="0"/>
+                <a:cs typeface="Times New Roman" panose="02020603050405020304" pitchFamily="18" charset="0"/>
+              </a:rPr>
+              <a:t>Use Case Diagram</a:t>
+            </a:r>
+          </a:p>
+          <a:p>
+            <a:pPr algn="ctr"/>
+            <a:r>
+              <a:rPr lang="en-IN" sz="2800" dirty="0">
+                <a:latin typeface="Times New Roman" panose="02020603050405020304" pitchFamily="18" charset="0"/>
+                <a:cs typeface="Times New Roman" panose="02020603050405020304" pitchFamily="18" charset="0"/>
+              </a:rPr>
+              <a:t>Continue…</a:t>
+            </a:r>
+          </a:p>
+        </p:txBody>
+      </p:sp>
+      <p:sp>
+        <p:nvSpPr>
+          <p:cNvPr id="2" name="TextBox 1">
+            <a:extLst>
+              <a:ext uri="{FF2B5EF4-FFF2-40B4-BE49-F238E27FC236}">
+                <a16:creationId xmlns:a16="http://schemas.microsoft.com/office/drawing/2014/main" id="{37C9AF26-D9A6-76F2-D4E9-9B91480234FE}"/>
+              </a:ext>
+            </a:extLst>
+          </p:cNvPr>
+          <p:cNvSpPr txBox="1"/>
           <p:nvPr/>
-        </p:nvPicPr>
-        <p:blipFill>
-          <a:blip r:embed="rId3">
-            <a:extLst>
-              <a:ext uri="{28A0092B-C50C-407E-A947-70E740481C1C}">
-                <a14:useLocalDpi xmlns:a14="http://schemas.microsoft.com/office/drawing/2010/main" val="0"/>
-              </a:ext>
-            </a:extLst>
-          </a:blip>
-          <a:stretch>
-            <a:fillRect/>
-          </a:stretch>
-        </p:blipFill>
+        </p:nvSpPr>
         <p:spPr>
-          <a:xfrm>
-            <a:off x="667820" y="891539"/>
-            <a:ext cx="11229654" cy="5283229"/>
+          <a:xfrm flipH="1">
+            <a:off x="4271127" y="2625213"/>
+            <a:ext cx="7365349" cy="1323439"/>
           </a:xfrm>
           <a:prstGeom prst="rect">
             <a:avLst/>
           </a:prstGeom>
         </p:spPr>
-      </p:pic>
+        <p:style>
+          <a:lnRef idx="1">
+            <a:schemeClr val="accent2"/>
+          </a:lnRef>
+          <a:fillRef idx="2">
+            <a:schemeClr val="accent2"/>
+          </a:fillRef>
+          <a:effectRef idx="1">
+            <a:schemeClr val="accent2"/>
+          </a:effectRef>
+          <a:fontRef idx="minor">
+            <a:schemeClr val="dk1"/>
+          </a:fontRef>
+        </p:style>
+        <p:txBody>
+          <a:bodyPr wrap="square" rtlCol="0">
+            <a:spAutoFit/>
+          </a:bodyPr>
+          <a:lstStyle/>
+          <a:p>
+            <a:r>
+              <a:rPr lang="en-US" sz="4000" dirty="0">
+                <a:solidFill>
+                  <a:srgbClr val="C00000"/>
+                </a:solidFill>
+              </a:rPr>
+              <a:t>If possible, remove the homepage from the this</a:t>
+            </a:r>
+          </a:p>
+        </p:txBody>
+      </p:sp>
     </p:spTree>
     <p:extLst>
       <p:ext uri="{BB962C8B-B14F-4D97-AF65-F5344CB8AC3E}">
-        <p14:creationId xmlns:p14="http://schemas.microsoft.com/office/powerpoint/2010/main" val="3427291970"/>
+        <p14:creationId xmlns:p14="http://schemas.microsoft.com/office/powerpoint/2010/main" val="3096639131"/>
       </p:ext>
     </p:extLst>
   </p:cSld>
@@ -4681,56 +4760,46 @@
       </p:grpSpPr>
       <p:pic>
         <p:nvPicPr>
-          <p:cNvPr id="4" name="Content Placeholder 3">
-            <a:extLst>
-              <a:ext uri="{FF2B5EF4-FFF2-40B4-BE49-F238E27FC236}">
-                <a16:creationId xmlns:a16="http://schemas.microsoft.com/office/drawing/2014/main" id="{242E6F88-98B7-6B98-4D55-B9453C1CB4B0}"/>
+          <p:cNvPr id="4" name="Picture 3">
+            <a:extLst>
+              <a:ext uri="{FF2B5EF4-FFF2-40B4-BE49-F238E27FC236}">
+                <a16:creationId xmlns:a16="http://schemas.microsoft.com/office/drawing/2014/main" id="{C6211099-87B3-EE37-FCCD-7D0DD6A8CDBF}"/>
               </a:ext>
             </a:extLst>
           </p:cNvPr>
           <p:cNvPicPr>
-            <a:picLocks noGrp="1" noChangeAspect="1"/>
+            <a:picLocks noChangeAspect="1"/>
           </p:cNvPicPr>
-          <p:nvPr>
-            <p:ph idx="1"/>
-          </p:nvPr>
+          <p:nvPr/>
         </p:nvPicPr>
-        <p:blipFill rotWithShape="1">
-          <a:blip r:embed="rId2">
+        <p:blipFill>
+          <a:blip r:embed="rId2" cstate="print">
             <a:extLst>
               <a:ext uri="{28A0092B-C50C-407E-A947-70E740481C1C}">
                 <a14:useLocalDpi xmlns:a14="http://schemas.microsoft.com/office/drawing/2010/main" val="0"/>
               </a:ext>
             </a:extLst>
           </a:blip>
-          <a:srcRect t="-1548" r="24551" b="77468"/>
-          <a:stretch/>
+          <a:stretch>
+            <a:fillRect/>
+          </a:stretch>
         </p:blipFill>
-        <p:spPr bwMode="auto">
+        <p:spPr>
           <a:xfrm>
-            <a:off x="1603764" y="677580"/>
-            <a:ext cx="10032714" cy="5531142"/>
+            <a:off x="3082412" y="207366"/>
+            <a:ext cx="8959065" cy="5868970"/>
           </a:xfrm>
           <a:prstGeom prst="rect">
             <a:avLst/>
           </a:prstGeom>
-          <a:noFill/>
-          <a:ln>
-            <a:noFill/>
-          </a:ln>
-          <a:extLst>
-            <a:ext uri="{53640926-AAD7-44D8-BBD7-CCE9431645EC}">
-              <a14:shadowObscured xmlns:a14="http://schemas.microsoft.com/office/drawing/2010/main"/>
-            </a:ext>
-          </a:extLst>
         </p:spPr>
       </p:pic>
       <p:sp>
         <p:nvSpPr>
-          <p:cNvPr id="5" name="TextBox 4">
-            <a:extLst>
-              <a:ext uri="{FF2B5EF4-FFF2-40B4-BE49-F238E27FC236}">
-                <a16:creationId xmlns:a16="http://schemas.microsoft.com/office/drawing/2014/main" id="{9CFAD112-CBAD-8ECC-8942-AAA327C36FD2}"/>
+          <p:cNvPr id="6" name="TextBox 5">
+            <a:extLst>
+              <a:ext uri="{FF2B5EF4-FFF2-40B4-BE49-F238E27FC236}">
+                <a16:creationId xmlns:a16="http://schemas.microsoft.com/office/drawing/2014/main" id="{B902EA5E-8BF7-D99D-02C2-6673BB9C1472}"/>
               </a:ext>
             </a:extLst>
           </p:cNvPr>
@@ -4739,8 +4808,8 @@
         </p:nvSpPr>
         <p:spPr>
           <a:xfrm>
-            <a:off x="27397" y="102742"/>
-            <a:ext cx="3198688" cy="523220"/>
+            <a:off x="285107" y="924943"/>
+            <a:ext cx="6097712" cy="584775"/>
           </a:xfrm>
           <a:prstGeom prst="rect">
             <a:avLst/>
@@ -4748,27 +4817,40 @@
           <a:noFill/>
         </p:spPr>
         <p:txBody>
-          <a:bodyPr wrap="square" rtlCol="0">
+          <a:bodyPr wrap="square">
             <a:spAutoFit/>
           </a:bodyPr>
           <a:lstStyle/>
           <a:p>
-            <a:r>
-              <a:rPr lang="en-IN" sz="2800" dirty="0">
-                <a:latin typeface="Times New Roman" panose="02020603050405020304" pitchFamily="18" charset="0"/>
-                <a:cs typeface="Times New Roman" panose="02020603050405020304" pitchFamily="18" charset="0"/>
-              </a:rPr>
-              <a:t>Use Case Diagram</a:t>
-            </a:r>
-          </a:p>
-        </p:txBody>
-      </p:sp>
-      <p:sp>
-        <p:nvSpPr>
-          <p:cNvPr id="2" name="TextBox 1">
-            <a:extLst>
-              <a:ext uri="{FF2B5EF4-FFF2-40B4-BE49-F238E27FC236}">
-                <a16:creationId xmlns:a16="http://schemas.microsoft.com/office/drawing/2014/main" id="{B8E33CDA-25BA-00DB-FE35-5D78DC3D07A4}"/>
+            <a:pPr marL="0" algn="l" rtl="0" eaLnBrk="1" latinLnBrk="0" hangingPunct="1">
+              <a:spcBef>
+                <a:spcPts val="0"/>
+              </a:spcBef>
+              <a:spcAft>
+                <a:spcPts val="0"/>
+              </a:spcAft>
+            </a:pPr>
+            <a:r>
+              <a:rPr lang="en-IN" sz="3200" dirty="0">
+                <a:solidFill>
+                  <a:srgbClr val="000000"/>
+                </a:solidFill>
+                <a:latin typeface="Calibri" panose="020F0502020204030204" pitchFamily="34" charset="0"/>
+              </a:rPr>
+              <a:t>ER Diagram</a:t>
+            </a:r>
+            <a:endParaRPr lang="en-IN" sz="3200" dirty="0">
+              <a:effectLst/>
+            </a:endParaRPr>
+          </a:p>
+        </p:txBody>
+      </p:sp>
+      <p:sp>
+        <p:nvSpPr>
+          <p:cNvPr id="5" name="TextBox 4">
+            <a:extLst>
+              <a:ext uri="{FF2B5EF4-FFF2-40B4-BE49-F238E27FC236}">
+                <a16:creationId xmlns:a16="http://schemas.microsoft.com/office/drawing/2014/main" id="{E09FEB41-AC2F-F5FB-C68E-D85EFDEE7E93}"/>
               </a:ext>
             </a:extLst>
           </p:cNvPr>
@@ -4777,14 +4859,27 @@
         </p:nvSpPr>
         <p:spPr>
           <a:xfrm flipH="1">
-            <a:off x="1859775" y="6113739"/>
-            <a:ext cx="3012113" cy="369332"/>
+            <a:off x="377553" y="4365523"/>
+            <a:ext cx="4253441" cy="2062103"/>
           </a:xfrm>
           <a:prstGeom prst="rect">
             <a:avLst/>
           </a:prstGeom>
-          <a:noFill/>
         </p:spPr>
+        <p:style>
+          <a:lnRef idx="1">
+            <a:schemeClr val="accent2"/>
+          </a:lnRef>
+          <a:fillRef idx="2">
+            <a:schemeClr val="accent2"/>
+          </a:fillRef>
+          <a:effectRef idx="1">
+            <a:schemeClr val="accent2"/>
+          </a:effectRef>
+          <a:fontRef idx="minor">
+            <a:schemeClr val="dk1"/>
+          </a:fontRef>
+        </p:style>
         <p:txBody>
           <a:bodyPr wrap="square" rtlCol="0">
             <a:spAutoFit/>
@@ -4792,11 +4887,12 @@
           <a:lstStyle/>
           <a:p>
             <a:r>
-              <a:rPr lang="en-US" u="sng" dirty="0">
-                <a:latin typeface="Times New Roman" panose="02020603050405020304" pitchFamily="18" charset="0"/>
-                <a:cs typeface="Times New Roman" panose="02020603050405020304" pitchFamily="18" charset="0"/>
-              </a:rPr>
-              <a:t>Continue in page 2</a:t>
+              <a:rPr lang="en-US" sz="3200" dirty="0">
+                <a:solidFill>
+                  <a:srgbClr val="C00000"/>
+                </a:solidFill>
+              </a:rPr>
+              <a:t>Make this hyperlink and show higher resolution image which is clearly visible.</a:t>
             </a:r>
           </a:p>
         </p:txBody>
@@ -4804,7 +4900,7 @@
     </p:spTree>
     <p:extLst>
       <p:ext uri="{BB962C8B-B14F-4D97-AF65-F5344CB8AC3E}">
-        <p14:creationId xmlns:p14="http://schemas.microsoft.com/office/powerpoint/2010/main" val="883017184"/>
+        <p14:creationId xmlns:p14="http://schemas.microsoft.com/office/powerpoint/2010/main" val="1326979292"/>
       </p:ext>
     </p:extLst>
   </p:cSld>
@@ -4831,107 +4927,87 @@
           <a:chExt cx="0" cy="0"/>
         </a:xfrm>
       </p:grpSpPr>
+      <p:sp>
+        <p:nvSpPr>
+          <p:cNvPr id="2" name="Title 1">
+            <a:extLst>
+              <a:ext uri="{FF2B5EF4-FFF2-40B4-BE49-F238E27FC236}">
+                <a16:creationId xmlns:a16="http://schemas.microsoft.com/office/drawing/2014/main" id="{098666D5-C72D-DE4C-4F33-3B7C175A3A20}"/>
+              </a:ext>
+            </a:extLst>
+          </p:cNvPr>
+          <p:cNvSpPr>
+            <a:spLocks noGrp="1"/>
+          </p:cNvSpPr>
+          <p:nvPr>
+            <p:ph type="title"/>
+          </p:nvPr>
+        </p:nvSpPr>
+        <p:spPr>
+          <a:xfrm>
+            <a:off x="838200" y="217642"/>
+            <a:ext cx="10515600" cy="1325563"/>
+          </a:xfrm>
+        </p:spPr>
+        <p:txBody>
+          <a:bodyPr/>
+          <a:lstStyle/>
+          <a:p>
+            <a:pPr algn="ctr"/>
+            <a:r>
+              <a:rPr lang="en-IN" b="1" dirty="0">
+                <a:latin typeface="Times New Roman" panose="02020603050405020304" pitchFamily="18" charset="0"/>
+                <a:cs typeface="Times New Roman" panose="02020603050405020304" pitchFamily="18" charset="0"/>
+              </a:rPr>
+              <a:t>Patent Status</a:t>
+            </a:r>
+          </a:p>
+        </p:txBody>
+      </p:sp>
+      <p:sp>
+        <p:nvSpPr>
+          <p:cNvPr id="3" name="Content Placeholder 2">
+            <a:extLst>
+              <a:ext uri="{FF2B5EF4-FFF2-40B4-BE49-F238E27FC236}">
+                <a16:creationId xmlns:a16="http://schemas.microsoft.com/office/drawing/2014/main" id="{0F9B0AAD-8D90-3D7E-4D66-651E410AEB0F}"/>
+              </a:ext>
+            </a:extLst>
+          </p:cNvPr>
+          <p:cNvSpPr>
+            <a:spLocks noGrp="1"/>
+          </p:cNvSpPr>
+          <p:nvPr>
+            <p:ph idx="1"/>
+          </p:nvPr>
+        </p:nvSpPr>
+        <p:spPr/>
+        <p:txBody>
+          <a:bodyPr/>
+          <a:lstStyle/>
+          <a:p>
+            <a:pPr marL="0" indent="0">
+              <a:buNone/>
+            </a:pPr>
+            <a:r>
+              <a:rPr lang="en-US" dirty="0"/>
+              <a:t> </a:t>
+            </a:r>
+            <a:endParaRPr lang="en-IN" dirty="0"/>
+          </a:p>
+          <a:p>
+            <a:pPr marL="0" indent="0">
+              <a:buNone/>
+            </a:pPr>
+            <a:endParaRPr lang="en-IN" dirty="0"/>
+          </a:p>
+        </p:txBody>
+      </p:sp>
       <p:pic>
         <p:nvPicPr>
-          <p:cNvPr id="4" name="Content Placeholder 3">
-            <a:extLst>
-              <a:ext uri="{FF2B5EF4-FFF2-40B4-BE49-F238E27FC236}">
-                <a16:creationId xmlns:a16="http://schemas.microsoft.com/office/drawing/2014/main" id="{242E6F88-98B7-6B98-4D55-B9453C1CB4B0}"/>
-              </a:ext>
-            </a:extLst>
-          </p:cNvPr>
-          <p:cNvPicPr>
-            <a:picLocks noGrp="1" noChangeAspect="1"/>
-          </p:cNvPicPr>
-          <p:nvPr>
-            <p:ph idx="1"/>
-          </p:nvPr>
-        </p:nvPicPr>
-        <p:blipFill rotWithShape="1">
-          <a:blip r:embed="rId2">
-            <a:extLst>
-              <a:ext uri="{28A0092B-C50C-407E-A947-70E740481C1C}">
-                <a14:useLocalDpi xmlns:a14="http://schemas.microsoft.com/office/drawing/2010/main" val="0"/>
-              </a:ext>
-            </a:extLst>
-          </a:blip>
-          <a:srcRect l="11750" t="22970" r="24552" b="34717"/>
-          <a:stretch/>
-        </p:blipFill>
-        <p:spPr bwMode="auto">
-          <a:xfrm>
-            <a:off x="3008669" y="73743"/>
-            <a:ext cx="8981767" cy="6637269"/>
-          </a:xfrm>
-          <a:prstGeom prst="rect">
-            <a:avLst/>
-          </a:prstGeom>
-          <a:noFill/>
-          <a:ln>
-            <a:noFill/>
-          </a:ln>
-          <a:extLst>
-            <a:ext uri="{53640926-AAD7-44D8-BBD7-CCE9431645EC}">
-              <a14:shadowObscured xmlns:a14="http://schemas.microsoft.com/office/drawing/2010/main"/>
-            </a:ext>
-          </a:extLst>
-        </p:spPr>
-      </p:pic>
-      <p:sp>
-        <p:nvSpPr>
-          <p:cNvPr id="5" name="TextBox 4">
-            <a:extLst>
-              <a:ext uri="{FF2B5EF4-FFF2-40B4-BE49-F238E27FC236}">
-                <a16:creationId xmlns:a16="http://schemas.microsoft.com/office/drawing/2014/main" id="{9CFAD112-CBAD-8ECC-8942-AAA327C36FD2}"/>
-              </a:ext>
-            </a:extLst>
-          </p:cNvPr>
-          <p:cNvSpPr txBox="1"/>
-          <p:nvPr/>
-        </p:nvSpPr>
-        <p:spPr>
-          <a:xfrm>
-            <a:off x="27397" y="102742"/>
-            <a:ext cx="3198688" cy="1754326"/>
-          </a:xfrm>
-          <a:prstGeom prst="rect">
-            <a:avLst/>
-          </a:prstGeom>
-          <a:noFill/>
-        </p:spPr>
-        <p:txBody>
-          <a:bodyPr wrap="square" rtlCol="0">
-            <a:spAutoFit/>
-          </a:bodyPr>
-          <a:lstStyle/>
-          <a:p>
-            <a:pPr algn="ctr"/>
-            <a:r>
-              <a:rPr lang="en-IN" sz="4000" b="1" dirty="0">
-                <a:latin typeface="Times New Roman" panose="02020603050405020304" pitchFamily="18" charset="0"/>
-                <a:cs typeface="Times New Roman" panose="02020603050405020304" pitchFamily="18" charset="0"/>
-              </a:rPr>
-              <a:t>Use Case Diagram</a:t>
-            </a:r>
-          </a:p>
-          <a:p>
-            <a:pPr algn="ctr"/>
-            <a:r>
-              <a:rPr lang="en-IN" sz="2800" dirty="0">
-                <a:latin typeface="Times New Roman" panose="02020603050405020304" pitchFamily="18" charset="0"/>
-                <a:cs typeface="Times New Roman" panose="02020603050405020304" pitchFamily="18" charset="0"/>
-              </a:rPr>
-              <a:t>Continue…</a:t>
-            </a:r>
-          </a:p>
-        </p:txBody>
-      </p:sp>
-      <p:pic>
-        <p:nvPicPr>
-          <p:cNvPr id="13" name="Picture 12">
-            <a:extLst>
-              <a:ext uri="{FF2B5EF4-FFF2-40B4-BE49-F238E27FC236}">
-                <a16:creationId xmlns:a16="http://schemas.microsoft.com/office/drawing/2014/main" id="{39F0BA29-4E6E-37E6-793E-106D87AA2917}"/>
+          <p:cNvPr id="5" name="Picture 4">
+            <a:extLst>
+              <a:ext uri="{FF2B5EF4-FFF2-40B4-BE49-F238E27FC236}">
+                <a16:creationId xmlns:a16="http://schemas.microsoft.com/office/drawing/2014/main" id="{27DB8B83-63F2-2859-BE67-0B771C2A8872}"/>
               </a:ext>
             </a:extLst>
           </p:cNvPr>
@@ -4941,7 +5017,7 @@
           <p:nvPr/>
         </p:nvPicPr>
         <p:blipFill>
-          <a:blip r:embed="rId3">
+          <a:blip r:embed="rId2">
             <a:extLst>
               <a:ext uri="{28A0092B-C50C-407E-A947-70E740481C1C}">
                 <a14:useLocalDpi xmlns:a14="http://schemas.microsoft.com/office/drawing/2010/main" val="0"/>
@@ -4954,18 +5030,122 @@
         </p:blipFill>
         <p:spPr>
           <a:xfrm>
-            <a:off x="3008669" y="72087"/>
-            <a:ext cx="8982075" cy="6638925"/>
+            <a:off x="427703" y="1189836"/>
+            <a:ext cx="8000623" cy="5444327"/>
           </a:xfrm>
           <a:prstGeom prst="rect">
             <a:avLst/>
           </a:prstGeom>
         </p:spPr>
       </p:pic>
+      <p:sp>
+        <p:nvSpPr>
+          <p:cNvPr id="4" name="Arrow: Left 3">
+            <a:extLst>
+              <a:ext uri="{FF2B5EF4-FFF2-40B4-BE49-F238E27FC236}">
+                <a16:creationId xmlns:a16="http://schemas.microsoft.com/office/drawing/2014/main" id="{79F95B65-C375-FFAC-E619-56F4B273ACC7}"/>
+              </a:ext>
+            </a:extLst>
+          </p:cNvPr>
+          <p:cNvSpPr/>
+          <p:nvPr/>
+        </p:nvSpPr>
+        <p:spPr>
+          <a:xfrm>
+            <a:off x="5324168" y="6002594"/>
+            <a:ext cx="5058697" cy="631569"/>
+          </a:xfrm>
+          <a:prstGeom prst="leftArrow">
+            <a:avLst/>
+          </a:prstGeom>
+        </p:spPr>
+        <p:style>
+          <a:lnRef idx="2">
+            <a:schemeClr val="accent1">
+              <a:shade val="15000"/>
+            </a:schemeClr>
+          </a:lnRef>
+          <a:fillRef idx="1">
+            <a:schemeClr val="accent1"/>
+          </a:fillRef>
+          <a:effectRef idx="0">
+            <a:schemeClr val="accent1"/>
+          </a:effectRef>
+          <a:fontRef idx="minor">
+            <a:schemeClr val="lt1"/>
+          </a:fontRef>
+        </p:style>
+        <p:txBody>
+          <a:bodyPr rtlCol="0" anchor="ctr"/>
+          <a:lstStyle/>
+          <a:p>
+            <a:pPr algn="ctr"/>
+            <a:r>
+              <a:rPr lang="en-US" dirty="0">
+                <a:latin typeface="Times New Roman" panose="02020603050405020304" pitchFamily="18" charset="0"/>
+                <a:cs typeface="Times New Roman" panose="02020603050405020304" pitchFamily="18" charset="0"/>
+              </a:rPr>
+              <a:t>Published on 14 July 2023</a:t>
+            </a:r>
+          </a:p>
+        </p:txBody>
+      </p:sp>
+      <p:sp>
+        <p:nvSpPr>
+          <p:cNvPr id="6" name="Arrow: Left 5">
+            <a:extLst>
+              <a:ext uri="{FF2B5EF4-FFF2-40B4-BE49-F238E27FC236}">
+                <a16:creationId xmlns:a16="http://schemas.microsoft.com/office/drawing/2014/main" id="{B66C497B-435C-1AA1-22DA-2AAF7B4338B8}"/>
+              </a:ext>
+            </a:extLst>
+          </p:cNvPr>
+          <p:cNvSpPr/>
+          <p:nvPr/>
+        </p:nvSpPr>
+        <p:spPr>
+          <a:xfrm>
+            <a:off x="5324168" y="2550964"/>
+            <a:ext cx="5058697" cy="631569"/>
+          </a:xfrm>
+          <a:prstGeom prst="leftArrow">
+            <a:avLst/>
+          </a:prstGeom>
+        </p:spPr>
+        <p:style>
+          <a:lnRef idx="2">
+            <a:schemeClr val="accent1">
+              <a:shade val="15000"/>
+            </a:schemeClr>
+          </a:lnRef>
+          <a:fillRef idx="1">
+            <a:schemeClr val="accent1"/>
+          </a:fillRef>
+          <a:effectRef idx="0">
+            <a:schemeClr val="accent1"/>
+          </a:effectRef>
+          <a:fontRef idx="minor">
+            <a:schemeClr val="lt1"/>
+          </a:fontRef>
+        </p:style>
+        <p:txBody>
+          <a:bodyPr rtlCol="0" anchor="ctr"/>
+          <a:lstStyle/>
+          <a:p>
+            <a:pPr algn="ctr"/>
+            <a:r>
+              <a:rPr lang="en-US" dirty="0">
+                <a:latin typeface="Times New Roman" panose="02020603050405020304" pitchFamily="18" charset="0"/>
+                <a:cs typeface="Times New Roman" panose="02020603050405020304" pitchFamily="18" charset="0"/>
+              </a:rPr>
+              <a:t>Patent Application Number</a:t>
+            </a:r>
+          </a:p>
+        </p:txBody>
+      </p:sp>
     </p:spTree>
     <p:extLst>
       <p:ext uri="{BB962C8B-B14F-4D97-AF65-F5344CB8AC3E}">
-        <p14:creationId xmlns:p14="http://schemas.microsoft.com/office/powerpoint/2010/main" val="3096639131"/>
+        <p14:creationId xmlns:p14="http://schemas.microsoft.com/office/powerpoint/2010/main" val="3047737711"/>
       </p:ext>
     </p:extLst>
   </p:cSld>
@@ -4994,10 +5174,72 @@
       </p:grpSpPr>
       <p:sp>
         <p:nvSpPr>
-          <p:cNvPr id="6" name="TextBox 5">
-            <a:extLst>
-              <a:ext uri="{FF2B5EF4-FFF2-40B4-BE49-F238E27FC236}">
-                <a16:creationId xmlns:a16="http://schemas.microsoft.com/office/drawing/2014/main" id="{B902EA5E-8BF7-D99D-02C2-6673BB9C1472}"/>
+          <p:cNvPr id="2" name="Title 1">
+            <a:extLst>
+              <a:ext uri="{FF2B5EF4-FFF2-40B4-BE49-F238E27FC236}">
+                <a16:creationId xmlns:a16="http://schemas.microsoft.com/office/drawing/2014/main" id="{F623349F-CF9E-17A5-E471-C091975083ED}"/>
+              </a:ext>
+            </a:extLst>
+          </p:cNvPr>
+          <p:cNvSpPr>
+            <a:spLocks noGrp="1"/>
+          </p:cNvSpPr>
+          <p:nvPr>
+            <p:ph type="title"/>
+          </p:nvPr>
+        </p:nvSpPr>
+        <p:spPr/>
+        <p:txBody>
+          <a:bodyPr/>
+          <a:lstStyle/>
+          <a:p>
+            <a:r>
+              <a:rPr lang="en-IN" dirty="0"/>
+              <a:t>Research Paper Status</a:t>
+            </a:r>
+          </a:p>
+        </p:txBody>
+      </p:sp>
+      <p:sp>
+        <p:nvSpPr>
+          <p:cNvPr id="3" name="Content Placeholder 2">
+            <a:extLst>
+              <a:ext uri="{FF2B5EF4-FFF2-40B4-BE49-F238E27FC236}">
+                <a16:creationId xmlns:a16="http://schemas.microsoft.com/office/drawing/2014/main" id="{565BFEEB-FA9E-5BB0-6DD3-DD04A44AC574}"/>
+              </a:ext>
+            </a:extLst>
+          </p:cNvPr>
+          <p:cNvSpPr>
+            <a:spLocks noGrp="1"/>
+          </p:cNvSpPr>
+          <p:nvPr>
+            <p:ph idx="1"/>
+          </p:nvPr>
+        </p:nvSpPr>
+        <p:spPr/>
+        <p:txBody>
+          <a:bodyPr/>
+          <a:lstStyle/>
+          <a:p>
+            <a:r>
+              <a:rPr lang="en-IN" dirty="0"/>
+              <a:t>Soft copy proof of submission/publication.</a:t>
+            </a:r>
+          </a:p>
+          <a:p>
+            <a:r>
+              <a:rPr lang="en-IN" dirty="0"/>
+              <a:t>Draft completion status</a:t>
+            </a:r>
+          </a:p>
+        </p:txBody>
+      </p:sp>
+      <p:sp>
+        <p:nvSpPr>
+          <p:cNvPr id="5" name="TextBox 4">
+            <a:extLst>
+              <a:ext uri="{FF2B5EF4-FFF2-40B4-BE49-F238E27FC236}">
+                <a16:creationId xmlns:a16="http://schemas.microsoft.com/office/drawing/2014/main" id="{B49AA59C-EA5D-A994-5A0F-76977E5B4508}"/>
               </a:ext>
             </a:extLst>
           </p:cNvPr>
@@ -5005,68 +5247,50 @@
           <p:nvPr/>
         </p:nvSpPr>
         <p:spPr>
-          <a:xfrm>
-            <a:off x="4880225" y="2844225"/>
-            <a:ext cx="5684176" cy="584775"/>
+          <a:xfrm flipH="1">
+            <a:off x="377553" y="4365523"/>
+            <a:ext cx="4253441" cy="1077218"/>
           </a:xfrm>
           <a:prstGeom prst="rect">
             <a:avLst/>
           </a:prstGeom>
-          <a:noFill/>
         </p:spPr>
-        <p:txBody>
-          <a:bodyPr wrap="square">
+        <p:style>
+          <a:lnRef idx="1">
+            <a:schemeClr val="accent2"/>
+          </a:lnRef>
+          <a:fillRef idx="2">
+            <a:schemeClr val="accent2"/>
+          </a:fillRef>
+          <a:effectRef idx="1">
+            <a:schemeClr val="accent2"/>
+          </a:effectRef>
+          <a:fontRef idx="minor">
+            <a:schemeClr val="dk1"/>
+          </a:fontRef>
+        </p:style>
+        <p:txBody>
+          <a:bodyPr wrap="square" rtlCol="0">
             <a:spAutoFit/>
           </a:bodyPr>
           <a:lstStyle/>
           <a:p>
-            <a:pPr marL="0" algn="l" rtl="0" eaLnBrk="1" latinLnBrk="0" hangingPunct="1">
-              <a:spcBef>
-                <a:spcPts val="0"/>
-              </a:spcBef>
-              <a:spcAft>
-                <a:spcPts val="0"/>
-              </a:spcAft>
-            </a:pPr>
-            <a:r>
-              <a:rPr lang="en-IN" sz="3200" dirty="0">
+            <a:pPr algn="ctr"/>
+            <a:r>
+              <a:rPr lang="en-US" sz="3200" dirty="0">
                 <a:solidFill>
-                  <a:srgbClr val="954F72"/>
+                  <a:srgbClr val="C00000"/>
                 </a:solidFill>
-                <a:latin typeface="Calibri" panose="020F0502020204030204" pitchFamily="34" charset="0"/>
-                <a:hlinkClick r:id="rId2">
-                  <a:extLst>
-                    <a:ext uri="{A12FA001-AC4F-418D-AE19-62706E023703}">
-                      <ahyp:hlinkClr xmlns:ahyp="http://schemas.microsoft.com/office/drawing/2018/hyperlinkcolor" val="tx"/>
-                    </a:ext>
-                  </a:extLst>
-                </a:hlinkClick>
-              </a:rPr>
-              <a:t>ER Diagram</a:t>
-            </a:r>
-            <a:r>
-              <a:rPr lang="en-IN" sz="3200" dirty="0">
-                <a:latin typeface="Calibri" panose="020F0502020204030204" pitchFamily="34" charset="0"/>
-                <a:hlinkClick r:id="rId2">
-                  <a:extLst>
-                    <a:ext uri="{A12FA001-AC4F-418D-AE19-62706E023703}">
-                      <ahyp:hlinkClr xmlns:ahyp="http://schemas.microsoft.com/office/drawing/2018/hyperlinkcolor" val="tx"/>
-                    </a:ext>
-                  </a:extLst>
-                </a:hlinkClick>
-              </a:rPr>
-              <a:t> </a:t>
-            </a:r>
-            <a:endParaRPr lang="en-IN" sz="3200" dirty="0">
-              <a:effectLst/>
-            </a:endParaRPr>
+              </a:rPr>
+              <a:t>I will share this by tomorrow evening</a:t>
+            </a:r>
           </a:p>
         </p:txBody>
       </p:sp>
     </p:spTree>
     <p:extLst>
       <p:ext uri="{BB962C8B-B14F-4D97-AF65-F5344CB8AC3E}">
-        <p14:creationId xmlns:p14="http://schemas.microsoft.com/office/powerpoint/2010/main" val="1326979292"/>
+        <p14:creationId xmlns:p14="http://schemas.microsoft.com/office/powerpoint/2010/main" val="124965368"/>
       </p:ext>
     </p:extLst>
   </p:cSld>
@@ -5098,338 +5322,6 @@
           <p:cNvPr id="2" name="Title 1">
             <a:extLst>
               <a:ext uri="{FF2B5EF4-FFF2-40B4-BE49-F238E27FC236}">
-                <a16:creationId xmlns:a16="http://schemas.microsoft.com/office/drawing/2014/main" id="{098666D5-C72D-DE4C-4F33-3B7C175A3A20}"/>
-              </a:ext>
-            </a:extLst>
-          </p:cNvPr>
-          <p:cNvSpPr>
-            <a:spLocks noGrp="1"/>
-          </p:cNvSpPr>
-          <p:nvPr>
-            <p:ph type="title"/>
-          </p:nvPr>
-        </p:nvSpPr>
-        <p:spPr>
-          <a:xfrm>
-            <a:off x="838200" y="217642"/>
-            <a:ext cx="10515600" cy="1325563"/>
-          </a:xfrm>
-        </p:spPr>
-        <p:txBody>
-          <a:bodyPr/>
-          <a:lstStyle/>
-          <a:p>
-            <a:pPr algn="ctr"/>
-            <a:r>
-              <a:rPr lang="en-IN" b="1" dirty="0">
-                <a:latin typeface="Times New Roman" panose="02020603050405020304" pitchFamily="18" charset="0"/>
-                <a:cs typeface="Times New Roman" panose="02020603050405020304" pitchFamily="18" charset="0"/>
-              </a:rPr>
-              <a:t>Patent Status</a:t>
-            </a:r>
-          </a:p>
-        </p:txBody>
-      </p:sp>
-      <p:sp>
-        <p:nvSpPr>
-          <p:cNvPr id="3" name="Content Placeholder 2">
-            <a:extLst>
-              <a:ext uri="{FF2B5EF4-FFF2-40B4-BE49-F238E27FC236}">
-                <a16:creationId xmlns:a16="http://schemas.microsoft.com/office/drawing/2014/main" id="{0F9B0AAD-8D90-3D7E-4D66-651E410AEB0F}"/>
-              </a:ext>
-            </a:extLst>
-          </p:cNvPr>
-          <p:cNvSpPr>
-            <a:spLocks noGrp="1"/>
-          </p:cNvSpPr>
-          <p:nvPr>
-            <p:ph idx="1"/>
-          </p:nvPr>
-        </p:nvSpPr>
-        <p:spPr/>
-        <p:txBody>
-          <a:bodyPr/>
-          <a:lstStyle/>
-          <a:p>
-            <a:pPr marL="0" indent="0">
-              <a:buNone/>
-            </a:pPr>
-            <a:r>
-              <a:rPr lang="en-US" dirty="0"/>
-              <a:t> </a:t>
-            </a:r>
-            <a:endParaRPr lang="en-IN" dirty="0"/>
-          </a:p>
-          <a:p>
-            <a:pPr marL="0" indent="0">
-              <a:buNone/>
-            </a:pPr>
-            <a:endParaRPr lang="en-IN" dirty="0"/>
-          </a:p>
-        </p:txBody>
-      </p:sp>
-      <p:pic>
-        <p:nvPicPr>
-          <p:cNvPr id="5" name="Picture 4">
-            <a:extLst>
-              <a:ext uri="{FF2B5EF4-FFF2-40B4-BE49-F238E27FC236}">
-                <a16:creationId xmlns:a16="http://schemas.microsoft.com/office/drawing/2014/main" id="{27DB8B83-63F2-2859-BE67-0B771C2A8872}"/>
-              </a:ext>
-            </a:extLst>
-          </p:cNvPr>
-          <p:cNvPicPr>
-            <a:picLocks noChangeAspect="1"/>
-          </p:cNvPicPr>
-          <p:nvPr/>
-        </p:nvPicPr>
-        <p:blipFill>
-          <a:blip r:embed="rId2">
-            <a:extLst>
-              <a:ext uri="{28A0092B-C50C-407E-A947-70E740481C1C}">
-                <a14:useLocalDpi xmlns:a14="http://schemas.microsoft.com/office/drawing/2010/main" val="0"/>
-              </a:ext>
-            </a:extLst>
-          </a:blip>
-          <a:stretch>
-            <a:fillRect/>
-          </a:stretch>
-        </p:blipFill>
-        <p:spPr>
-          <a:xfrm>
-            <a:off x="427703" y="1189836"/>
-            <a:ext cx="8000623" cy="5444327"/>
-          </a:xfrm>
-          <a:prstGeom prst="rect">
-            <a:avLst/>
-          </a:prstGeom>
-        </p:spPr>
-      </p:pic>
-      <p:sp>
-        <p:nvSpPr>
-          <p:cNvPr id="4" name="Arrow: Left 3">
-            <a:extLst>
-              <a:ext uri="{FF2B5EF4-FFF2-40B4-BE49-F238E27FC236}">
-                <a16:creationId xmlns:a16="http://schemas.microsoft.com/office/drawing/2014/main" id="{79F95B65-C375-FFAC-E619-56F4B273ACC7}"/>
-              </a:ext>
-            </a:extLst>
-          </p:cNvPr>
-          <p:cNvSpPr/>
-          <p:nvPr/>
-        </p:nvSpPr>
-        <p:spPr>
-          <a:xfrm>
-            <a:off x="5324168" y="6002594"/>
-            <a:ext cx="5058697" cy="631569"/>
-          </a:xfrm>
-          <a:prstGeom prst="leftArrow">
-            <a:avLst/>
-          </a:prstGeom>
-        </p:spPr>
-        <p:style>
-          <a:lnRef idx="2">
-            <a:schemeClr val="accent1">
-              <a:shade val="15000"/>
-            </a:schemeClr>
-          </a:lnRef>
-          <a:fillRef idx="1">
-            <a:schemeClr val="accent1"/>
-          </a:fillRef>
-          <a:effectRef idx="0">
-            <a:schemeClr val="accent1"/>
-          </a:effectRef>
-          <a:fontRef idx="minor">
-            <a:schemeClr val="lt1"/>
-          </a:fontRef>
-        </p:style>
-        <p:txBody>
-          <a:bodyPr rtlCol="0" anchor="ctr"/>
-          <a:lstStyle/>
-          <a:p>
-            <a:pPr algn="ctr"/>
-            <a:r>
-              <a:rPr lang="en-US" dirty="0">
-                <a:latin typeface="Times New Roman" panose="02020603050405020304" pitchFamily="18" charset="0"/>
-                <a:cs typeface="Times New Roman" panose="02020603050405020304" pitchFamily="18" charset="0"/>
-              </a:rPr>
-              <a:t>Published on 14 July 2023</a:t>
-            </a:r>
-          </a:p>
-        </p:txBody>
-      </p:sp>
-      <p:sp>
-        <p:nvSpPr>
-          <p:cNvPr id="6" name="Arrow: Left 5">
-            <a:extLst>
-              <a:ext uri="{FF2B5EF4-FFF2-40B4-BE49-F238E27FC236}">
-                <a16:creationId xmlns:a16="http://schemas.microsoft.com/office/drawing/2014/main" id="{B66C497B-435C-1AA1-22DA-2AAF7B4338B8}"/>
-              </a:ext>
-            </a:extLst>
-          </p:cNvPr>
-          <p:cNvSpPr/>
-          <p:nvPr/>
-        </p:nvSpPr>
-        <p:spPr>
-          <a:xfrm>
-            <a:off x="5324168" y="2550964"/>
-            <a:ext cx="5058697" cy="631569"/>
-          </a:xfrm>
-          <a:prstGeom prst="leftArrow">
-            <a:avLst/>
-          </a:prstGeom>
-        </p:spPr>
-        <p:style>
-          <a:lnRef idx="2">
-            <a:schemeClr val="accent1">
-              <a:shade val="15000"/>
-            </a:schemeClr>
-          </a:lnRef>
-          <a:fillRef idx="1">
-            <a:schemeClr val="accent1"/>
-          </a:fillRef>
-          <a:effectRef idx="0">
-            <a:schemeClr val="accent1"/>
-          </a:effectRef>
-          <a:fontRef idx="minor">
-            <a:schemeClr val="lt1"/>
-          </a:fontRef>
-        </p:style>
-        <p:txBody>
-          <a:bodyPr rtlCol="0" anchor="ctr"/>
-          <a:lstStyle/>
-          <a:p>
-            <a:pPr algn="ctr"/>
-            <a:r>
-              <a:rPr lang="en-US" dirty="0">
-                <a:latin typeface="Times New Roman" panose="02020603050405020304" pitchFamily="18" charset="0"/>
-                <a:cs typeface="Times New Roman" panose="02020603050405020304" pitchFamily="18" charset="0"/>
-              </a:rPr>
-              <a:t>Patent Application Number</a:t>
-            </a:r>
-          </a:p>
-        </p:txBody>
-      </p:sp>
-    </p:spTree>
-    <p:extLst>
-      <p:ext uri="{BB962C8B-B14F-4D97-AF65-F5344CB8AC3E}">
-        <p14:creationId xmlns:p14="http://schemas.microsoft.com/office/powerpoint/2010/main" val="3047737711"/>
-      </p:ext>
-    </p:extLst>
-  </p:cSld>
-  <p:clrMapOvr>
-    <a:masterClrMapping/>
-  </p:clrMapOvr>
-</p:sld>
-</file>
-
-<file path=ppt/slides/slide17.xml><?xml version="1.0" encoding="utf-8"?>
-<p:sld xmlns:a="http://schemas.openxmlformats.org/drawingml/2006/main" xmlns:r="http://schemas.openxmlformats.org/officeDocument/2006/relationships" xmlns:p="http://schemas.openxmlformats.org/presentationml/2006/main">
-  <p:cSld>
-    <p:spTree>
-      <p:nvGrpSpPr>
-        <p:cNvPr id="1" name=""/>
-        <p:cNvGrpSpPr/>
-        <p:nvPr/>
-      </p:nvGrpSpPr>
-      <p:grpSpPr>
-        <a:xfrm>
-          <a:off x="0" y="0"/>
-          <a:ext cx="0" cy="0"/>
-          <a:chOff x="0" y="0"/>
-          <a:chExt cx="0" cy="0"/>
-        </a:xfrm>
-      </p:grpSpPr>
-      <p:sp>
-        <p:nvSpPr>
-          <p:cNvPr id="2" name="Title 1">
-            <a:extLst>
-              <a:ext uri="{FF2B5EF4-FFF2-40B4-BE49-F238E27FC236}">
-                <a16:creationId xmlns:a16="http://schemas.microsoft.com/office/drawing/2014/main" id="{F623349F-CF9E-17A5-E471-C091975083ED}"/>
-              </a:ext>
-            </a:extLst>
-          </p:cNvPr>
-          <p:cNvSpPr>
-            <a:spLocks noGrp="1"/>
-          </p:cNvSpPr>
-          <p:nvPr>
-            <p:ph type="title"/>
-          </p:nvPr>
-        </p:nvSpPr>
-        <p:spPr/>
-        <p:txBody>
-          <a:bodyPr/>
-          <a:lstStyle/>
-          <a:p>
-            <a:r>
-              <a:rPr lang="en-IN" dirty="0"/>
-              <a:t>Research Paper Status</a:t>
-            </a:r>
-          </a:p>
-        </p:txBody>
-      </p:sp>
-      <p:pic>
-        <p:nvPicPr>
-          <p:cNvPr id="6" name="Content Placeholder 5">
-            <a:extLst>
-              <a:ext uri="{FF2B5EF4-FFF2-40B4-BE49-F238E27FC236}">
-                <a16:creationId xmlns:a16="http://schemas.microsoft.com/office/drawing/2014/main" id="{36352213-99A7-383A-4724-537552D408E3}"/>
-              </a:ext>
-            </a:extLst>
-          </p:cNvPr>
-          <p:cNvPicPr>
-            <a:picLocks noGrp="1" noChangeAspect="1"/>
-          </p:cNvPicPr>
-          <p:nvPr>
-            <p:ph idx="1"/>
-          </p:nvPr>
-        </p:nvPicPr>
-        <p:blipFill>
-          <a:blip r:embed="rId2"/>
-          <a:stretch>
-            <a:fillRect/>
-          </a:stretch>
-        </p:blipFill>
-        <p:spPr>
-          <a:xfrm>
-            <a:off x="145401" y="1447060"/>
-            <a:ext cx="11821698" cy="5228948"/>
-          </a:xfrm>
-        </p:spPr>
-      </p:pic>
-    </p:spTree>
-    <p:extLst>
-      <p:ext uri="{BB962C8B-B14F-4D97-AF65-F5344CB8AC3E}">
-        <p14:creationId xmlns:p14="http://schemas.microsoft.com/office/powerpoint/2010/main" val="124965368"/>
-      </p:ext>
-    </p:extLst>
-  </p:cSld>
-  <p:clrMapOvr>
-    <a:masterClrMapping/>
-  </p:clrMapOvr>
-</p:sld>
-</file>
-
-<file path=ppt/slides/slide18.xml><?xml version="1.0" encoding="utf-8"?>
-<p:sld xmlns:a="http://schemas.openxmlformats.org/drawingml/2006/main" xmlns:r="http://schemas.openxmlformats.org/officeDocument/2006/relationships" xmlns:p="http://schemas.openxmlformats.org/presentationml/2006/main">
-  <p:cSld>
-    <p:spTree>
-      <p:nvGrpSpPr>
-        <p:cNvPr id="1" name=""/>
-        <p:cNvGrpSpPr/>
-        <p:nvPr/>
-      </p:nvGrpSpPr>
-      <p:grpSpPr>
-        <a:xfrm>
-          <a:off x="0" y="0"/>
-          <a:ext cx="0" cy="0"/>
-          <a:chOff x="0" y="0"/>
-          <a:chExt cx="0" cy="0"/>
-        </a:xfrm>
-      </p:grpSpPr>
-      <p:sp>
-        <p:nvSpPr>
-          <p:cNvPr id="2" name="Title 1">
-            <a:extLst>
-              <a:ext uri="{FF2B5EF4-FFF2-40B4-BE49-F238E27FC236}">
                 <a16:creationId xmlns:a16="http://schemas.microsoft.com/office/drawing/2014/main" id="{5399170A-0FBE-5C45-B43F-5165573FA890}"/>
               </a:ext>
             </a:extLst>
@@ -5627,6 +5519,74 @@
               <a:latin typeface="Times New Roman" panose="02020603050405020304" pitchFamily="18" charset="0"/>
               <a:cs typeface="Times New Roman" panose="02020603050405020304" pitchFamily="18" charset="0"/>
             </a:endParaRPr>
+          </a:p>
+        </p:txBody>
+      </p:sp>
+      <p:sp>
+        <p:nvSpPr>
+          <p:cNvPr id="4" name="TextBox 3">
+            <a:extLst>
+              <a:ext uri="{FF2B5EF4-FFF2-40B4-BE49-F238E27FC236}">
+                <a16:creationId xmlns:a16="http://schemas.microsoft.com/office/drawing/2014/main" id="{90AA7DBD-06F0-E5A8-2368-52A4B661FB1C}"/>
+              </a:ext>
+            </a:extLst>
+          </p:cNvPr>
+          <p:cNvSpPr txBox="1"/>
+          <p:nvPr/>
+        </p:nvSpPr>
+        <p:spPr>
+          <a:xfrm flipH="1">
+            <a:off x="377553" y="4365523"/>
+            <a:ext cx="4253441" cy="1077218"/>
+          </a:xfrm>
+          <a:prstGeom prst="rect">
+            <a:avLst/>
+          </a:prstGeom>
+        </p:spPr>
+        <p:style>
+          <a:lnRef idx="1">
+            <a:schemeClr val="accent2"/>
+          </a:lnRef>
+          <a:fillRef idx="2">
+            <a:schemeClr val="accent2"/>
+          </a:fillRef>
+          <a:effectRef idx="1">
+            <a:schemeClr val="accent2"/>
+          </a:effectRef>
+          <a:fontRef idx="minor">
+            <a:schemeClr val="dk1"/>
+          </a:fontRef>
+        </p:style>
+        <p:txBody>
+          <a:bodyPr wrap="square" rtlCol="0">
+            <a:spAutoFit/>
+          </a:bodyPr>
+          <a:lstStyle/>
+          <a:p>
+            <a:r>
+              <a:rPr lang="en-US" sz="3200" dirty="0">
+                <a:solidFill>
+                  <a:srgbClr val="C00000"/>
+                </a:solidFill>
+              </a:rPr>
+              <a:t>Add </a:t>
+            </a:r>
+            <a:r>
+              <a:rPr lang="en-US" sz="3200" dirty="0" err="1">
+                <a:solidFill>
+                  <a:srgbClr val="C00000"/>
+                </a:solidFill>
+              </a:rPr>
+              <a:t>atleast</a:t>
+            </a:r>
+            <a:r>
+              <a:rPr lang="en-US" sz="3200" dirty="0">
+                <a:solidFill>
+                  <a:srgbClr val="C00000"/>
+                </a:solidFill>
+              </a:rPr>
+              <a:t> 10 references</a:t>
+            </a:r>
           </a:p>
         </p:txBody>
       </p:sp>
@@ -6483,6 +6443,9 @@
           <a:p>
             <a:r>
               <a:rPr lang="en-US" dirty="0">
+                <a:solidFill>
+                  <a:srgbClr val="C00000"/>
+                </a:solidFill>
                 <a:latin typeface="Times New Roman" panose="02020603050405020304" pitchFamily="18" charset="0"/>
                 <a:cs typeface="Times New Roman" panose="02020603050405020304" pitchFamily="18" charset="0"/>
               </a:rPr>
@@ -6502,6 +6465,9 @@
             <a:pPr lvl="1"/>
             <a:r>
               <a:rPr lang="en-US" dirty="0">
+                <a:solidFill>
+                  <a:srgbClr val="C00000"/>
+                </a:solidFill>
                 <a:latin typeface="Times New Roman" panose="02020603050405020304" pitchFamily="18" charset="0"/>
                 <a:cs typeface="Times New Roman" panose="02020603050405020304" pitchFamily="18" charset="0"/>
               </a:rPr>
@@ -6530,6 +6496,9 @@
             <a:pPr lvl="1"/>
             <a:r>
               <a:rPr lang="en-US" i="0" dirty="0">
+                <a:solidFill>
+                  <a:srgbClr val="C00000"/>
+                </a:solidFill>
                 <a:effectLst/>
                 <a:latin typeface="Times New Roman" panose="02020603050405020304" pitchFamily="18" charset="0"/>
                 <a:cs typeface="Times New Roman" panose="02020603050405020304" pitchFamily="18" charset="0"/>
